--- a/others/Presentation/24.3.25广濑.pptx
+++ b/others/Presentation/24.3.25广濑.pptx
@@ -4214,7 +4214,7 @@
               </a:spcBef>
             </a:pPr>
             <a:r>
-              <a:rPr lang="en-US" altLang="zh-CN" sz="4000" b="1" dirty="0">
+              <a:rPr lang="zh-CN" altLang="en-US" sz="4000" b="1" dirty="0">
                 <a:solidFill>
                   <a:srgbClr val="C00000"/>
                 </a:solidFill>
@@ -4222,16 +4222,8 @@
                 <a:ea typeface="微软雅黑" panose="020B0503020204020204" pitchFamily="34" charset="-122"/>
                 <a:cs typeface="Times New Roman" panose="02020603050405020304" pitchFamily="18" charset="0"/>
               </a:rPr>
-              <a:t>A Humanoid Robot in HUST</a:t>
-            </a:r>
-            <a:endParaRPr lang="zh-CN" altLang="en-US" sz="4000" b="1" dirty="0">
-              <a:solidFill>
-                <a:srgbClr val="C00000"/>
-              </a:solidFill>
-              <a:latin typeface="Times New Roman" panose="02020603050405020304" pitchFamily="18" charset="0"/>
-              <a:ea typeface="微软雅黑" panose="020B0503020204020204" pitchFamily="34" charset="-122"/>
-              <a:cs typeface="Times New Roman" panose="02020603050405020304" pitchFamily="18" charset="0"/>
-            </a:endParaRPr>
+              <a:t>一台来自华中科技大学的人形机器人</a:t>
+            </a:r>
           </a:p>
         </p:txBody>
       </p:sp>
@@ -4429,7 +4421,7 @@
               </a:spcBef>
             </a:pPr>
             <a:r>
-              <a:rPr lang="en-US" altLang="zh-CN" sz="3200" b="1" dirty="0">
+              <a:rPr lang="zh-CN" altLang="en-US" sz="3200" b="1" dirty="0">
                 <a:solidFill>
                   <a:srgbClr val="000066"/>
                 </a:solidFill>
@@ -4437,41 +4429,16 @@
                 <a:ea typeface="微软雅黑" panose="020B0503020204020204" pitchFamily="34" charset="-122"/>
                 <a:cs typeface="Times New Roman" panose="02020603050405020304" pitchFamily="18" charset="0"/>
               </a:rPr>
-              <a:t>Name</a:t>
-            </a:r>
-            <a:r>
-              <a:rPr lang="zh-CN" altLang="en-US" sz="3200" b="1" dirty="0">
-                <a:solidFill>
-                  <a:srgbClr val="000066"/>
-                </a:solidFill>
-                <a:latin typeface="Times New Roman" panose="02020603050405020304" pitchFamily="18" charset="0"/>
-                <a:ea typeface="微软雅黑" panose="020B0503020204020204" pitchFamily="34" charset="-122"/>
-                <a:cs typeface="Times New Roman" panose="02020603050405020304" pitchFamily="18" charset="0"/>
-              </a:rPr>
-              <a:t>：</a:t>
-            </a:r>
-            <a:r>
-              <a:rPr lang="en-US" altLang="zh-CN" sz="3200" b="1" dirty="0" err="1">
-                <a:solidFill>
-                  <a:srgbClr val="000066"/>
-                </a:solidFill>
-                <a:latin typeface="Times New Roman" panose="02020603050405020304" pitchFamily="18" charset="0"/>
-                <a:ea typeface="微软雅黑" panose="020B0503020204020204" pitchFamily="34" charset="-122"/>
-                <a:cs typeface="Times New Roman" panose="02020603050405020304" pitchFamily="18" charset="0"/>
-              </a:rPr>
-              <a:t>Shaojun</a:t>
-            </a:r>
-            <a:r>
-              <a:rPr lang="en-US" altLang="zh-CN" sz="3200" b="1" dirty="0">
-                <a:solidFill>
-                  <a:srgbClr val="000066"/>
-                </a:solidFill>
-                <a:latin typeface="Times New Roman" panose="02020603050405020304" pitchFamily="18" charset="0"/>
-                <a:ea typeface="微软雅黑" panose="020B0503020204020204" pitchFamily="34" charset="-122"/>
-                <a:cs typeface="Times New Roman" panose="02020603050405020304" pitchFamily="18" charset="0"/>
-              </a:rPr>
-              <a:t> Zhong</a:t>
-            </a:r>
+              <a:t>姓名：仲绍珺</a:t>
+            </a:r>
+            <a:endParaRPr lang="en-US" altLang="zh-CN" sz="3200" b="1" dirty="0">
+              <a:solidFill>
+                <a:srgbClr val="000066"/>
+              </a:solidFill>
+              <a:latin typeface="Times New Roman" panose="02020603050405020304" pitchFamily="18" charset="0"/>
+              <a:ea typeface="微软雅黑" panose="020B0503020204020204" pitchFamily="34" charset="-122"/>
+              <a:cs typeface="Times New Roman" panose="02020603050405020304" pitchFamily="18" charset="0"/>
+            </a:endParaRPr>
           </a:p>
           <a:p>
             <a:pPr algn="ctr" fontAlgn="base">
@@ -4483,7 +4450,7 @@
               </a:spcBef>
             </a:pPr>
             <a:r>
-              <a:rPr lang="en-US" altLang="zh-CN" sz="3200" b="1" dirty="0">
+              <a:rPr lang="zh-CN" altLang="en-US" sz="3200" b="1" dirty="0">
                 <a:solidFill>
                   <a:srgbClr val="000066"/>
                 </a:solidFill>
@@ -4491,8 +4458,16 @@
                 <a:ea typeface="微软雅黑" panose="020B0503020204020204" pitchFamily="34" charset="-122"/>
                 <a:cs typeface="Times New Roman" panose="02020603050405020304" pitchFamily="18" charset="0"/>
               </a:rPr>
-              <a:t>Huazhong University Of Science and Technology</a:t>
-            </a:r>
+              <a:t>华中科技大学</a:t>
+            </a:r>
+            <a:endParaRPr lang="en-US" altLang="zh-CN" sz="3200" b="1" dirty="0">
+              <a:solidFill>
+                <a:srgbClr val="000066"/>
+              </a:solidFill>
+              <a:latin typeface="Times New Roman" panose="02020603050405020304" pitchFamily="18" charset="0"/>
+              <a:ea typeface="微软雅黑" panose="020B0503020204020204" pitchFamily="34" charset="-122"/>
+              <a:cs typeface="Times New Roman" panose="02020603050405020304" pitchFamily="18" charset="0"/>
+            </a:endParaRPr>
           </a:p>
           <a:p>
             <a:pPr algn="ctr" fontAlgn="base">
@@ -4504,7 +4479,7 @@
               </a:spcBef>
             </a:pPr>
             <a:r>
-              <a:rPr lang="en-US" altLang="zh-CN" sz="3200" b="1" dirty="0">
+              <a:rPr lang="zh-CN" altLang="en-US" sz="3200" b="1" dirty="0">
                 <a:solidFill>
                   <a:srgbClr val="000066"/>
                 </a:solidFill>
@@ -4512,30 +4487,16 @@
                 <a:ea typeface="微软雅黑" panose="020B0503020204020204" pitchFamily="34" charset="-122"/>
                 <a:cs typeface="Times New Roman" panose="02020603050405020304" pitchFamily="18" charset="0"/>
               </a:rPr>
-              <a:t>School of Mechanical Science </a:t>
-            </a:r>
-            <a:r>
-              <a:rPr lang="zh-CN" altLang="en-US" sz="3200" b="1" dirty="0">
-                <a:solidFill>
-                  <a:srgbClr val="000066"/>
-                </a:solidFill>
-                <a:latin typeface="Times New Roman" panose="02020603050405020304" pitchFamily="18" charset="0"/>
-                <a:ea typeface="微软雅黑" panose="020B0503020204020204" pitchFamily="34" charset="-122"/>
-                <a:cs typeface="Times New Roman" panose="02020603050405020304" pitchFamily="18" charset="0"/>
-              </a:rPr>
-              <a:t>＆ </a:t>
-            </a:r>
-            <a:r>
-              <a:rPr lang="en-US" altLang="zh-CN" sz="3200" b="1" dirty="0">
-                <a:solidFill>
-                  <a:srgbClr val="000066"/>
-                </a:solidFill>
-                <a:latin typeface="Times New Roman" panose="02020603050405020304" pitchFamily="18" charset="0"/>
-                <a:ea typeface="微软雅黑" panose="020B0503020204020204" pitchFamily="34" charset="-122"/>
-                <a:cs typeface="Times New Roman" panose="02020603050405020304" pitchFamily="18" charset="0"/>
-              </a:rPr>
-              <a:t>Engineering</a:t>
-            </a:r>
+              <a:t>机械科学与工程学院</a:t>
+            </a:r>
+            <a:endParaRPr lang="en-US" altLang="zh-CN" sz="3200" b="1" dirty="0">
+              <a:solidFill>
+                <a:srgbClr val="000066"/>
+              </a:solidFill>
+              <a:latin typeface="Times New Roman" panose="02020603050405020304" pitchFamily="18" charset="0"/>
+              <a:ea typeface="微软雅黑" panose="020B0503020204020204" pitchFamily="34" charset="-122"/>
+              <a:cs typeface="Times New Roman" panose="02020603050405020304" pitchFamily="18" charset="0"/>
+            </a:endParaRPr>
           </a:p>
         </p:txBody>
       </p:sp>
